--- a/docs/110120008-NguyenThiNgocCham-Sildebaocao.pptx
+++ b/docs/110120008-NguyenThiNgocCham-Sildebaocao.pptx
@@ -3806,7 +3806,7 @@
               <a:rPr lang="en-US" smtClean="0">
                 <a:latin typeface="Tw Cen MT" panose="020B0602020104020603" pitchFamily="34" charset="0"/>
               </a:rPr>
-              <a:t>7/17/2024</a:t>
+              <a:t>7/18/2024</a:t>
             </a:fld>
             <a:endParaRPr lang="en-US" dirty="0">
               <a:latin typeface="Tw Cen MT" panose="020B0602020104020603" pitchFamily="34" charset="0"/>
@@ -3997,7 +3997,7 @@
             <a:fld id="{AF4A386A-BFE4-4655-9801-CBB04655F27A}" type="datetimeFigureOut">
               <a:rPr lang="en-US" noProof="0" smtClean="0"/>
               <a:pPr/>
-              <a:t>7/17/2024</a:t>
+              <a:t>7/18/2024</a:t>
             </a:fld>
             <a:endParaRPr lang="en-US" noProof="0" dirty="0"/>
           </a:p>
@@ -34890,7 +34890,7 @@
           <a:p>
             <a:pPr algn="l">
               <a:lnSpc>
-                <a:spcPts val="3500"/>
+                <a:spcPts val="3000"/>
               </a:lnSpc>
             </a:pPr>
             <a:r>
@@ -34908,7 +34908,7 @@
           <a:p>
             <a:pPr algn="l">
               <a:lnSpc>
-                <a:spcPts val="3500"/>
+                <a:spcPts val="3000"/>
               </a:lnSpc>
             </a:pPr>
             <a:r>
@@ -35071,7 +35071,7 @@
           <a:p>
             <a:pPr algn="l">
               <a:lnSpc>
-                <a:spcPts val="3500"/>
+                <a:spcPts val="3000"/>
               </a:lnSpc>
             </a:pPr>
             <a:r>
@@ -35089,7 +35089,7 @@
           <a:p>
             <a:pPr algn="l">
               <a:lnSpc>
-                <a:spcPts val="3500"/>
+                <a:spcPts val="3000"/>
               </a:lnSpc>
             </a:pPr>
             <a:r>
@@ -35107,7 +35107,7 @@
           <a:p>
             <a:pPr algn="l">
               <a:lnSpc>
-                <a:spcPts val="3500"/>
+                <a:spcPts val="3000"/>
               </a:lnSpc>
             </a:pPr>
             <a:r>
@@ -35125,7 +35125,7 @@
           <a:p>
             <a:pPr algn="l">
               <a:lnSpc>
-                <a:spcPts val="3500"/>
+                <a:spcPts val="3000"/>
               </a:lnSpc>
             </a:pPr>
             <a:r>
@@ -35163,7 +35163,7 @@
         </p:nvSpPr>
         <p:spPr>
           <a:xfrm>
-            <a:off x="3733800" y="6240684"/>
+            <a:off x="3733800" y="6096000"/>
             <a:ext cx="4724400" cy="408972"/>
           </a:xfrm>
           <a:prstGeom prst="rect">
@@ -50483,6 +50483,24 @@
 </file>
 
 <file path=customXml/item1.xml><?xml version="1.0" encoding="utf-8"?>
+<p:properties xmlns:p="http://schemas.microsoft.com/office/2006/metadata/properties" xmlns:xsi="http://www.w3.org/2001/XMLSchema-instance" xmlns:pc="http://schemas.microsoft.com/office/infopath/2007/PartnerControls">
+  <documentManagement>
+    <Status xmlns="71af3243-3dd4-4a8d-8c0d-dd76da1f02a5">Not started</Status>
+    <MediaServiceKeyPoints xmlns="71af3243-3dd4-4a8d-8c0d-dd76da1f02a5" xsi:nil="true"/>
+  </documentManagement>
+</p:properties>
+</file>
+
+<file path=customXml/item2.xml><?xml version="1.0" encoding="utf-8"?>
+<?mso-contentType ?>
+<FormTemplates xmlns="http://schemas.microsoft.com/sharepoint/v3/contenttype/forms">
+  <Display>DocumentLibraryForm</Display>
+  <Edit>DocumentLibraryForm</Edit>
+  <New>DocumentLibraryForm</New>
+</FormTemplates>
+</file>
+
+<file path=customXml/item3.xml><?xml version="1.0" encoding="utf-8"?>
 <ct:contentTypeSchema xmlns:ct="http://schemas.microsoft.com/office/2006/metadata/contentType" xmlns:ma="http://schemas.microsoft.com/office/2006/metadata/properties/metaAttributes" ct:_="" ma:_="" ma:contentTypeName="Document" ma:contentTypeID="0x01010079F111ED35F8CC479449609E8A0923A6" ma:contentTypeVersion="12" ma:contentTypeDescription="Create a new document." ma:contentTypeScope="" ma:versionID="f9fc9171bb41dc08635275f351de8590">
   <xsd:schema xmlns:xsd="http://www.w3.org/2001/XMLSchema" xmlns:xs="http://www.w3.org/2001/XMLSchema" xmlns:p="http://schemas.microsoft.com/office/2006/metadata/properties" xmlns:ns2="71af3243-3dd4-4a8d-8c0d-dd76da1f02a5" xmlns:ns3="16c05727-aa75-4e4a-9b5f-8a80a1165891" targetNamespace="http://schemas.microsoft.com/office/2006/metadata/properties" ma:root="true" ma:fieldsID="29387215989a890c06011de04edfe97d" ns2:_="" ns3:_="">
     <xsd:import namespace="71af3243-3dd4-4a8d-8c0d-dd76da1f02a5"/>
@@ -50703,25 +50721,25 @@
 </ct:contentTypeSchema>
 </file>
 
-<file path=customXml/item2.xml><?xml version="1.0" encoding="utf-8"?>
-<?mso-contentType ?>
-<FormTemplates xmlns="http://schemas.microsoft.com/sharepoint/v3/contenttype/forms">
-  <Display>DocumentLibraryForm</Display>
-  <Edit>DocumentLibraryForm</Edit>
-  <New>DocumentLibraryForm</New>
-</FormTemplates>
+<file path=customXml/itemProps1.xml><?xml version="1.0" encoding="utf-8"?>
+<ds:datastoreItem xmlns:ds="http://schemas.openxmlformats.org/officeDocument/2006/customXml" ds:itemID="{6A86D9CC-0D9D-4BFE-B3F3-26F480BF8C8A}">
+  <ds:schemaRefs>
+    <ds:schemaRef ds:uri="http://schemas.microsoft.com/office/2006/metadata/properties"/>
+    <ds:schemaRef ds:uri="http://schemas.microsoft.com/office/infopath/2007/PartnerControls"/>
+    <ds:schemaRef ds:uri="71af3243-3dd4-4a8d-8c0d-dd76da1f02a5"/>
+  </ds:schemaRefs>
+</ds:datastoreItem>
 </file>
 
-<file path=customXml/item3.xml><?xml version="1.0" encoding="utf-8"?>
-<p:properties xmlns:p="http://schemas.microsoft.com/office/2006/metadata/properties" xmlns:xsi="http://www.w3.org/2001/XMLSchema-instance" xmlns:pc="http://schemas.microsoft.com/office/infopath/2007/PartnerControls">
-  <documentManagement>
-    <Status xmlns="71af3243-3dd4-4a8d-8c0d-dd76da1f02a5">Not started</Status>
-    <MediaServiceKeyPoints xmlns="71af3243-3dd4-4a8d-8c0d-dd76da1f02a5" xsi:nil="true"/>
-  </documentManagement>
-</p:properties>
+<file path=customXml/itemProps2.xml><?xml version="1.0" encoding="utf-8"?>
+<ds:datastoreItem xmlns:ds="http://schemas.openxmlformats.org/officeDocument/2006/customXml" ds:itemID="{8106BD98-E608-40A1-98A8-93D5976215CA}">
+  <ds:schemaRefs>
+    <ds:schemaRef ds:uri="http://schemas.microsoft.com/sharepoint/v3/contenttype/forms"/>
+  </ds:schemaRefs>
+</ds:datastoreItem>
 </file>
 
-<file path=customXml/itemProps1.xml><?xml version="1.0" encoding="utf-8"?>
+<file path=customXml/itemProps3.xml><?xml version="1.0" encoding="utf-8"?>
 <ds:datastoreItem xmlns:ds="http://schemas.openxmlformats.org/officeDocument/2006/customXml" ds:itemID="{9BFCA5F6-1A5A-4D78-BDE2-C793B61E0E12}">
   <ds:schemaRefs>
     <ds:schemaRef ds:uri="http://schemas.microsoft.com/office/2006/metadata/contentType"/>
@@ -50738,22 +50756,4 @@
     <ds:schemaRef ds:uri="http://schemas.microsoft.com/internal/obd"/>
   </ds:schemaRefs>
 </ds:datastoreItem>
-</file>
-
-<file path=customXml/itemProps2.xml><?xml version="1.0" encoding="utf-8"?>
-<ds:datastoreItem xmlns:ds="http://schemas.openxmlformats.org/officeDocument/2006/customXml" ds:itemID="{8106BD98-E608-40A1-98A8-93D5976215CA}">
-  <ds:schemaRefs>
-    <ds:schemaRef ds:uri="http://schemas.microsoft.com/sharepoint/v3/contenttype/forms"/>
-  </ds:schemaRefs>
-</ds:datastoreItem>
-</file>
-
-<file path=customXml/itemProps3.xml><?xml version="1.0" encoding="utf-8"?>
-<ds:datastoreItem xmlns:ds="http://schemas.openxmlformats.org/officeDocument/2006/customXml" ds:itemID="{6A86D9CC-0D9D-4BFE-B3F3-26F480BF8C8A}">
-  <ds:schemaRefs>
-    <ds:schemaRef ds:uri="http://schemas.microsoft.com/office/2006/metadata/properties"/>
-    <ds:schemaRef ds:uri="http://schemas.microsoft.com/office/infopath/2007/PartnerControls"/>
-    <ds:schemaRef ds:uri="71af3243-3dd4-4a8d-8c0d-dd76da1f02a5"/>
-  </ds:schemaRefs>
-</ds:datastoreItem>
 </file>